--- a/presentation.pptx
+++ b/presentation.pptx
@@ -18,9 +18,11 @@
     <p:sldId id="260" r:id="rId12"/>
     <p:sldId id="259" r:id="rId13"/>
     <p:sldId id="269" r:id="rId14"/>
-    <p:sldId id="270" r:id="rId15"/>
-    <p:sldId id="271" r:id="rId16"/>
-    <p:sldId id="272" r:id="rId17"/>
+    <p:sldId id="273" r:id="rId15"/>
+    <p:sldId id="274" r:id="rId16"/>
+    <p:sldId id="270" r:id="rId17"/>
+    <p:sldId id="271" r:id="rId18"/>
+    <p:sldId id="272" r:id="rId19"/>
   </p:sldIdLst>
   <p:sldSz cx="12192000" cy="6858000"/>
   <p:notesSz cx="6858000" cy="9144000"/>
@@ -258,7 +260,7 @@
           <a:p>
             <a:fld id="{ED99CC25-1A4F-49B7-AAE7-A62458AB75E5}" type="datetimeFigureOut">
               <a:rPr lang="ru-RU" smtClean="0"/>
-              <a:t>29.01.2025</a:t>
+              <a:t>02.02.2025</a:t>
             </a:fld>
             <a:endParaRPr lang="ru-RU"/>
           </a:p>
@@ -428,7 +430,7 @@
           <a:p>
             <a:fld id="{ED99CC25-1A4F-49B7-AAE7-A62458AB75E5}" type="datetimeFigureOut">
               <a:rPr lang="ru-RU" smtClean="0"/>
-              <a:t>29.01.2025</a:t>
+              <a:t>02.02.2025</a:t>
             </a:fld>
             <a:endParaRPr lang="ru-RU"/>
           </a:p>
@@ -608,7 +610,7 @@
           <a:p>
             <a:fld id="{ED99CC25-1A4F-49B7-AAE7-A62458AB75E5}" type="datetimeFigureOut">
               <a:rPr lang="ru-RU" smtClean="0"/>
-              <a:t>29.01.2025</a:t>
+              <a:t>02.02.2025</a:t>
             </a:fld>
             <a:endParaRPr lang="ru-RU"/>
           </a:p>
@@ -778,7 +780,7 @@
           <a:p>
             <a:fld id="{ED99CC25-1A4F-49B7-AAE7-A62458AB75E5}" type="datetimeFigureOut">
               <a:rPr lang="ru-RU" smtClean="0"/>
-              <a:t>29.01.2025</a:t>
+              <a:t>02.02.2025</a:t>
             </a:fld>
             <a:endParaRPr lang="ru-RU"/>
           </a:p>
@@ -1024,7 +1026,7 @@
           <a:p>
             <a:fld id="{ED99CC25-1A4F-49B7-AAE7-A62458AB75E5}" type="datetimeFigureOut">
               <a:rPr lang="ru-RU" smtClean="0"/>
-              <a:t>29.01.2025</a:t>
+              <a:t>02.02.2025</a:t>
             </a:fld>
             <a:endParaRPr lang="ru-RU"/>
           </a:p>
@@ -1256,7 +1258,7 @@
           <a:p>
             <a:fld id="{ED99CC25-1A4F-49B7-AAE7-A62458AB75E5}" type="datetimeFigureOut">
               <a:rPr lang="ru-RU" smtClean="0"/>
-              <a:t>29.01.2025</a:t>
+              <a:t>02.02.2025</a:t>
             </a:fld>
             <a:endParaRPr lang="ru-RU"/>
           </a:p>
@@ -1623,7 +1625,7 @@
           <a:p>
             <a:fld id="{ED99CC25-1A4F-49B7-AAE7-A62458AB75E5}" type="datetimeFigureOut">
               <a:rPr lang="ru-RU" smtClean="0"/>
-              <a:t>29.01.2025</a:t>
+              <a:t>02.02.2025</a:t>
             </a:fld>
             <a:endParaRPr lang="ru-RU"/>
           </a:p>
@@ -1741,7 +1743,7 @@
           <a:p>
             <a:fld id="{ED99CC25-1A4F-49B7-AAE7-A62458AB75E5}" type="datetimeFigureOut">
               <a:rPr lang="ru-RU" smtClean="0"/>
-              <a:t>29.01.2025</a:t>
+              <a:t>02.02.2025</a:t>
             </a:fld>
             <a:endParaRPr lang="ru-RU"/>
           </a:p>
@@ -1836,7 +1838,7 @@
           <a:p>
             <a:fld id="{ED99CC25-1A4F-49B7-AAE7-A62458AB75E5}" type="datetimeFigureOut">
               <a:rPr lang="ru-RU" smtClean="0"/>
-              <a:t>29.01.2025</a:t>
+              <a:t>02.02.2025</a:t>
             </a:fld>
             <a:endParaRPr lang="ru-RU"/>
           </a:p>
@@ -2113,7 +2115,7 @@
           <a:p>
             <a:fld id="{ED99CC25-1A4F-49B7-AAE7-A62458AB75E5}" type="datetimeFigureOut">
               <a:rPr lang="ru-RU" smtClean="0"/>
-              <a:t>29.01.2025</a:t>
+              <a:t>02.02.2025</a:t>
             </a:fld>
             <a:endParaRPr lang="ru-RU"/>
           </a:p>
@@ -2366,7 +2368,7 @@
           <a:p>
             <a:fld id="{ED99CC25-1A4F-49B7-AAE7-A62458AB75E5}" type="datetimeFigureOut">
               <a:rPr lang="ru-RU" smtClean="0"/>
-              <a:t>29.01.2025</a:t>
+              <a:t>02.02.2025</a:t>
             </a:fld>
             <a:endParaRPr lang="ru-RU"/>
           </a:p>
@@ -2579,7 +2581,7 @@
           <a:p>
             <a:fld id="{ED99CC25-1A4F-49B7-AAE7-A62458AB75E5}" type="datetimeFigureOut">
               <a:rPr lang="ru-RU" smtClean="0"/>
-              <a:t>29.01.2025</a:t>
+              <a:t>02.02.2025</a:t>
             </a:fld>
             <a:endParaRPr lang="ru-RU"/>
           </a:p>
@@ -3347,38 +3349,79 @@
           </a:p>
         </p:txBody>
       </p:sp>
-      <p:sp>
-        <p:nvSpPr>
-          <p:cNvPr id="3" name="Объект 2"/>
-          <p:cNvSpPr>
-            <a:spLocks noGrp="1"/>
-          </p:cNvSpPr>
+      <p:pic>
+        <p:nvPicPr>
+          <p:cNvPr id="4" name="Объект 3"/>
+          <p:cNvPicPr>
+            <a:picLocks noGrp="1" noChangeAspect="1"/>
+          </p:cNvPicPr>
           <p:nvPr>
             <p:ph idx="1"/>
           </p:nvPr>
-        </p:nvSpPr>
+        </p:nvPicPr>
+        <p:blipFill>
+          <a:blip r:embed="rId2">
+            <a:extLst>
+              <a:ext uri="{28A0092B-C50C-407E-A947-70E740481C1C}">
+                <a14:useLocalDpi xmlns:a14="http://schemas.microsoft.com/office/drawing/2010/main" val="0"/>
+              </a:ext>
+            </a:extLst>
+          </a:blip>
+          <a:stretch>
+            <a:fillRect/>
+          </a:stretch>
+        </p:blipFill>
         <p:spPr>
           <a:xfrm>
-            <a:off x="778669" y="2193244"/>
-            <a:ext cx="10515600" cy="4351338"/>
+            <a:off x="5121926" y="1690689"/>
+            <a:ext cx="6817526" cy="5113145"/>
           </a:xfrm>
+          <a:prstGeom prst="rect">
+            <a:avLst/>
+          </a:prstGeom>
+          <a:ln>
+            <a:noFill/>
+          </a:ln>
+          <a:effectLst>
+            <a:softEdge rad="112500"/>
+          </a:effectLst>
         </p:spPr>
-        <p:txBody>
-          <a:bodyPr>
-            <a:normAutofit/>
-          </a:bodyPr>
-          <a:lstStyle/>
-          <a:p>
-            <a:pPr marL="0" indent="0" algn="ctr">
-              <a:buNone/>
-            </a:pPr>
-            <a:endParaRPr lang="ru-RU" sz="5400" dirty="0" smtClean="0">
-              <a:latin typeface="Arial" panose="020B0604020202020204" pitchFamily="34" charset="0"/>
-              <a:cs typeface="Arial" panose="020B0604020202020204" pitchFamily="34" charset="0"/>
-            </a:endParaRPr>
-          </a:p>
-        </p:txBody>
-      </p:sp>
+      </p:pic>
+      <p:pic>
+        <p:nvPicPr>
+          <p:cNvPr id="10" name="Рисунок 9"/>
+          <p:cNvPicPr>
+            <a:picLocks noChangeAspect="1"/>
+          </p:cNvPicPr>
+          <p:nvPr/>
+        </p:nvPicPr>
+        <p:blipFill rotWithShape="1">
+          <a:blip r:embed="rId3">
+            <a:extLst>
+              <a:ext uri="{28A0092B-C50C-407E-A947-70E740481C1C}">
+                <a14:useLocalDpi xmlns:a14="http://schemas.microsoft.com/office/drawing/2010/main" val="0"/>
+              </a:ext>
+            </a:extLst>
+          </a:blip>
+          <a:srcRect l="17373" t="14771"/>
+          <a:stretch/>
+        </p:blipFill>
+        <p:spPr>
+          <a:xfrm>
+            <a:off x="156753" y="1802675"/>
+            <a:ext cx="4836213" cy="3741394"/>
+          </a:xfrm>
+          <a:prstGeom prst="rect">
+            <a:avLst/>
+          </a:prstGeom>
+          <a:ln>
+            <a:noFill/>
+          </a:ln>
+          <a:effectLst>
+            <a:softEdge rad="112500"/>
+          </a:effectLst>
+        </p:spPr>
+      </p:pic>
     </p:spTree>
     <p:extLst>
       <p:ext uri="{BB962C8B-B14F-4D97-AF65-F5344CB8AC3E}">
@@ -3400,6 +3443,303 @@
 </file>
 
 <file path=ppt/slides/slide14.xml><?xml version="1.0" encoding="utf-8"?>
+<p:sld xmlns:a="http://schemas.openxmlformats.org/drawingml/2006/main" xmlns:r="http://schemas.openxmlformats.org/officeDocument/2006/relationships" xmlns:p="http://schemas.openxmlformats.org/presentationml/2006/main">
+  <p:cSld>
+    <p:spTree>
+      <p:nvGrpSpPr>
+        <p:cNvPr id="1" name=""/>
+        <p:cNvGrpSpPr/>
+        <p:nvPr/>
+      </p:nvGrpSpPr>
+      <p:grpSpPr>
+        <a:xfrm>
+          <a:off x="0" y="0"/>
+          <a:ext cx="0" cy="0"/>
+          <a:chOff x="0" y="0"/>
+          <a:chExt cx="0" cy="0"/>
+        </a:xfrm>
+      </p:grpSpPr>
+      <p:sp>
+        <p:nvSpPr>
+          <p:cNvPr id="2" name="Заголовок 1"/>
+          <p:cNvSpPr>
+            <a:spLocks noGrp="1"/>
+          </p:cNvSpPr>
+          <p:nvPr>
+            <p:ph type="title"/>
+          </p:nvPr>
+        </p:nvSpPr>
+        <p:spPr>
+          <a:xfrm>
+            <a:off x="0" y="1"/>
+            <a:ext cx="12072938" cy="1690688"/>
+          </a:xfrm>
+        </p:spPr>
+        <p:txBody>
+          <a:bodyPr>
+            <a:normAutofit fontScale="90000"/>
+          </a:bodyPr>
+          <a:lstStyle/>
+          <a:p>
+            <a:pPr algn="ctr"/>
+            <a:r>
+              <a:rPr lang="ru-RU" sz="6000" dirty="0" smtClean="0">
+                <a:latin typeface="Arial Black" panose="020B0A04020102020204" pitchFamily="34" charset="0"/>
+              </a:rPr>
+              <a:t>Испытания программы в классе</a:t>
+            </a:r>
+            <a:endParaRPr lang="ru-RU" sz="6000" dirty="0">
+              <a:latin typeface="Arial Black" panose="020B0A04020102020204" pitchFamily="34" charset="0"/>
+            </a:endParaRPr>
+          </a:p>
+        </p:txBody>
+      </p:sp>
+      <p:pic>
+        <p:nvPicPr>
+          <p:cNvPr id="7" name="Рисунок 6"/>
+          <p:cNvPicPr>
+            <a:picLocks noChangeAspect="1"/>
+          </p:cNvPicPr>
+          <p:nvPr/>
+        </p:nvPicPr>
+        <p:blipFill>
+          <a:blip r:embed="rId2">
+            <a:extLst>
+              <a:ext uri="{28A0092B-C50C-407E-A947-70E740481C1C}">
+                <a14:useLocalDpi xmlns:a14="http://schemas.microsoft.com/office/drawing/2010/main" val="0"/>
+              </a:ext>
+            </a:extLst>
+          </a:blip>
+          <a:stretch>
+            <a:fillRect/>
+          </a:stretch>
+        </p:blipFill>
+        <p:spPr>
+          <a:xfrm>
+            <a:off x="146717" y="2286000"/>
+            <a:ext cx="5629636" cy="4222227"/>
+          </a:xfrm>
+          <a:prstGeom prst="rect">
+            <a:avLst/>
+          </a:prstGeom>
+          <a:ln>
+            <a:noFill/>
+          </a:ln>
+          <a:effectLst>
+            <a:softEdge rad="112500"/>
+          </a:effectLst>
+        </p:spPr>
+      </p:pic>
+      <p:pic>
+        <p:nvPicPr>
+          <p:cNvPr id="8" name="Рисунок 7"/>
+          <p:cNvPicPr>
+            <a:picLocks noChangeAspect="1"/>
+          </p:cNvPicPr>
+          <p:nvPr/>
+        </p:nvPicPr>
+        <p:blipFill>
+          <a:blip r:embed="rId3">
+            <a:extLst>
+              <a:ext uri="{BEBA8EAE-BF5A-486C-A8C5-ECC9F3942E4B}">
+                <a14:imgProps xmlns:a14="http://schemas.microsoft.com/office/drawing/2010/main">
+                  <a14:imgLayer r:embed="rId4">
+                    <a14:imgEffect>
+                      <a14:brightnessContrast bright="20000"/>
+                    </a14:imgEffect>
+                  </a14:imgLayer>
+                </a14:imgProps>
+              </a:ext>
+              <a:ext uri="{28A0092B-C50C-407E-A947-70E740481C1C}">
+                <a14:useLocalDpi xmlns:a14="http://schemas.microsoft.com/office/drawing/2010/main" val="0"/>
+              </a:ext>
+            </a:extLst>
+          </a:blip>
+          <a:stretch>
+            <a:fillRect/>
+          </a:stretch>
+        </p:blipFill>
+        <p:spPr>
+          <a:xfrm>
+            <a:off x="5918902" y="2112693"/>
+            <a:ext cx="6029795" cy="4522346"/>
+          </a:xfrm>
+          <a:prstGeom prst="rect">
+            <a:avLst/>
+          </a:prstGeom>
+          <a:ln>
+            <a:noFill/>
+          </a:ln>
+          <a:effectLst>
+            <a:softEdge rad="112500"/>
+          </a:effectLst>
+        </p:spPr>
+      </p:pic>
+    </p:spTree>
+    <p:extLst>
+      <p:ext uri="{BB962C8B-B14F-4D97-AF65-F5344CB8AC3E}">
+        <p14:creationId xmlns:p14="http://schemas.microsoft.com/office/powerpoint/2010/main" val="498367054"/>
+      </p:ext>
+    </p:extLst>
+  </p:cSld>
+  <p:clrMapOvr>
+    <a:masterClrMapping/>
+  </p:clrMapOvr>
+  <p:timing>
+    <p:tnLst>
+      <p:par>
+        <p:cTn id="1" dur="indefinite" restart="never" nodeType="tmRoot"/>
+      </p:par>
+    </p:tnLst>
+  </p:timing>
+</p:sld>
+</file>
+
+<file path=ppt/slides/slide15.xml><?xml version="1.0" encoding="utf-8"?>
+<p:sld xmlns:a="http://schemas.openxmlformats.org/drawingml/2006/main" xmlns:r="http://schemas.openxmlformats.org/officeDocument/2006/relationships" xmlns:p="http://schemas.openxmlformats.org/presentationml/2006/main">
+  <p:cSld>
+    <p:spTree>
+      <p:nvGrpSpPr>
+        <p:cNvPr id="1" name=""/>
+        <p:cNvGrpSpPr/>
+        <p:nvPr/>
+      </p:nvGrpSpPr>
+      <p:grpSpPr>
+        <a:xfrm>
+          <a:off x="0" y="0"/>
+          <a:ext cx="0" cy="0"/>
+          <a:chOff x="0" y="0"/>
+          <a:chExt cx="0" cy="0"/>
+        </a:xfrm>
+      </p:grpSpPr>
+      <p:sp>
+        <p:nvSpPr>
+          <p:cNvPr id="2" name="Заголовок 1"/>
+          <p:cNvSpPr>
+            <a:spLocks noGrp="1"/>
+          </p:cNvSpPr>
+          <p:nvPr>
+            <p:ph type="title"/>
+          </p:nvPr>
+        </p:nvSpPr>
+        <p:spPr>
+          <a:xfrm>
+            <a:off x="0" y="1"/>
+            <a:ext cx="12072938" cy="1690688"/>
+          </a:xfrm>
+        </p:spPr>
+        <p:txBody>
+          <a:bodyPr>
+            <a:normAutofit fontScale="90000"/>
+          </a:bodyPr>
+          <a:lstStyle/>
+          <a:p>
+            <a:pPr algn="ctr"/>
+            <a:r>
+              <a:rPr lang="ru-RU" sz="6000" dirty="0" smtClean="0">
+                <a:latin typeface="Arial Black" panose="020B0A04020102020204" pitchFamily="34" charset="0"/>
+              </a:rPr>
+              <a:t>Испытания программы в классе</a:t>
+            </a:r>
+            <a:endParaRPr lang="ru-RU" sz="6000" dirty="0">
+              <a:latin typeface="Arial Black" panose="020B0A04020102020204" pitchFamily="34" charset="0"/>
+            </a:endParaRPr>
+          </a:p>
+        </p:txBody>
+      </p:sp>
+      <p:pic>
+        <p:nvPicPr>
+          <p:cNvPr id="5" name="Рисунок 4"/>
+          <p:cNvPicPr>
+            <a:picLocks noChangeAspect="1"/>
+          </p:cNvPicPr>
+          <p:nvPr/>
+        </p:nvPicPr>
+        <p:blipFill>
+          <a:blip r:embed="rId2">
+            <a:extLst>
+              <a:ext uri="{28A0092B-C50C-407E-A947-70E740481C1C}">
+                <a14:useLocalDpi xmlns:a14="http://schemas.microsoft.com/office/drawing/2010/main" val="0"/>
+              </a:ext>
+            </a:extLst>
+          </a:blip>
+          <a:stretch>
+            <a:fillRect/>
+          </a:stretch>
+        </p:blipFill>
+        <p:spPr>
+          <a:xfrm>
+            <a:off x="92864" y="1536234"/>
+            <a:ext cx="6555160" cy="4916370"/>
+          </a:xfrm>
+          <a:prstGeom prst="rect">
+            <a:avLst/>
+          </a:prstGeom>
+          <a:ln>
+            <a:noFill/>
+          </a:ln>
+          <a:effectLst>
+            <a:softEdge rad="112500"/>
+          </a:effectLst>
+        </p:spPr>
+      </p:pic>
+      <p:pic>
+        <p:nvPicPr>
+          <p:cNvPr id="10" name="Рисунок 9"/>
+          <p:cNvPicPr>
+            <a:picLocks noChangeAspect="1"/>
+          </p:cNvPicPr>
+          <p:nvPr/>
+        </p:nvPicPr>
+        <p:blipFill>
+          <a:blip r:embed="rId3" cstate="print">
+            <a:extLst>
+              <a:ext uri="{28A0092B-C50C-407E-A947-70E740481C1C}">
+                <a14:useLocalDpi xmlns:a14="http://schemas.microsoft.com/office/drawing/2010/main" val="0"/>
+              </a:ext>
+            </a:extLst>
+          </a:blip>
+          <a:stretch>
+            <a:fillRect/>
+          </a:stretch>
+        </p:blipFill>
+        <p:spPr>
+          <a:xfrm>
+            <a:off x="6740888" y="2786667"/>
+            <a:ext cx="5305926" cy="3979445"/>
+          </a:xfrm>
+          <a:prstGeom prst="rect">
+            <a:avLst/>
+          </a:prstGeom>
+          <a:ln>
+            <a:noFill/>
+          </a:ln>
+          <a:effectLst>
+            <a:softEdge rad="112500"/>
+          </a:effectLst>
+        </p:spPr>
+      </p:pic>
+    </p:spTree>
+    <p:extLst>
+      <p:ext uri="{BB962C8B-B14F-4D97-AF65-F5344CB8AC3E}">
+        <p14:creationId xmlns:p14="http://schemas.microsoft.com/office/powerpoint/2010/main" val="3659894377"/>
+      </p:ext>
+    </p:extLst>
+  </p:cSld>
+  <p:clrMapOvr>
+    <a:masterClrMapping/>
+  </p:clrMapOvr>
+  <p:timing>
+    <p:tnLst>
+      <p:par>
+        <p:cTn id="1" dur="indefinite" restart="never" nodeType="tmRoot"/>
+      </p:par>
+    </p:tnLst>
+  </p:timing>
+</p:sld>
+</file>
+
+<file path=ppt/slides/slide16.xml><?xml version="1.0" encoding="utf-8"?>
 <p:sld xmlns:a="http://schemas.openxmlformats.org/drawingml/2006/main" xmlns:r="http://schemas.openxmlformats.org/officeDocument/2006/relationships" xmlns:p="http://schemas.openxmlformats.org/presentationml/2006/main">
   <p:cSld>
     <p:spTree>
@@ -3636,7 +3976,7 @@
 </p:sld>
 </file>
 
-<file path=ppt/slides/slide15.xml><?xml version="1.0" encoding="utf-8"?>
+<file path=ppt/slides/slide17.xml><?xml version="1.0" encoding="utf-8"?>
 <p:sld xmlns:a="http://schemas.openxmlformats.org/drawingml/2006/main" xmlns:r="http://schemas.openxmlformats.org/officeDocument/2006/relationships" xmlns:p="http://schemas.openxmlformats.org/presentationml/2006/main">
   <p:cSld>
     <p:spTree>
@@ -4135,7 +4475,7 @@
 </p:sld>
 </file>
 
-<file path=ppt/slides/slide16.xml><?xml version="1.0" encoding="utf-8"?>
+<file path=ppt/slides/slide18.xml><?xml version="1.0" encoding="utf-8"?>
 <p:sld xmlns:a="http://schemas.openxmlformats.org/drawingml/2006/main" xmlns:r="http://schemas.openxmlformats.org/officeDocument/2006/relationships" xmlns:p="http://schemas.openxmlformats.org/presentationml/2006/main">
   <p:cSld>
     <p:spTree>

--- a/presentation.pptx
+++ b/presentation.pptx
@@ -22,7 +22,6 @@
     <p:sldId id="274" r:id="rId16"/>
     <p:sldId id="270" r:id="rId17"/>
     <p:sldId id="271" r:id="rId18"/>
-    <p:sldId id="272" r:id="rId19"/>
   </p:sldIdLst>
   <p:sldSz cx="12192000" cy="6858000"/>
   <p:notesSz cx="6858000" cy="9144000"/>
@@ -123,7 +122,7 @@
   </p:defaultTextStyle>
   <p:extLst>
     <p:ext uri="{EFAFB233-063F-42B5-8137-9DF3F51BA10A}">
-      <p15:sldGuideLst xmlns:p15="http://schemas.microsoft.com/office/powerpoint/2012/main"/>
+      <p15:sldGuideLst xmlns:p15="http://schemas.microsoft.com/office/powerpoint/2012/main" xmlns=""/>
     </p:ext>
   </p:extLst>
 </p:presentation>
@@ -260,7 +259,8 @@
           <a:p>
             <a:fld id="{ED99CC25-1A4F-49B7-AAE7-A62458AB75E5}" type="datetimeFigureOut">
               <a:rPr lang="ru-RU" smtClean="0"/>
-              <a:t>02.02.2025</a:t>
+              <a:pPr/>
+              <a:t>10.02.2026</a:t>
             </a:fld>
             <a:endParaRPr lang="ru-RU"/>
           </a:p>
@@ -302,6 +302,7 @@
           <a:p>
             <a:fld id="{91F097D2-10E5-46D6-918B-E12795BEB8F8}" type="slidenum">
               <a:rPr lang="ru-RU" smtClean="0"/>
+              <a:pPr/>
               <a:t>‹#›</a:t>
             </a:fld>
             <a:endParaRPr lang="ru-RU"/>
@@ -311,7 +312,7 @@
     </p:spTree>
     <p:extLst>
       <p:ext uri="{BB962C8B-B14F-4D97-AF65-F5344CB8AC3E}">
-        <p14:creationId xmlns:p14="http://schemas.microsoft.com/office/powerpoint/2010/main" val="3544434702"/>
+        <p14:creationId xmlns:p14="http://schemas.microsoft.com/office/powerpoint/2010/main" xmlns="" val="3544434702"/>
       </p:ext>
     </p:extLst>
   </p:cSld>
@@ -430,7 +431,8 @@
           <a:p>
             <a:fld id="{ED99CC25-1A4F-49B7-AAE7-A62458AB75E5}" type="datetimeFigureOut">
               <a:rPr lang="ru-RU" smtClean="0"/>
-              <a:t>02.02.2025</a:t>
+              <a:pPr/>
+              <a:t>10.02.2026</a:t>
             </a:fld>
             <a:endParaRPr lang="ru-RU"/>
           </a:p>
@@ -472,6 +474,7 @@
           <a:p>
             <a:fld id="{91F097D2-10E5-46D6-918B-E12795BEB8F8}" type="slidenum">
               <a:rPr lang="ru-RU" smtClean="0"/>
+              <a:pPr/>
               <a:t>‹#›</a:t>
             </a:fld>
             <a:endParaRPr lang="ru-RU"/>
@@ -481,7 +484,7 @@
     </p:spTree>
     <p:extLst>
       <p:ext uri="{BB962C8B-B14F-4D97-AF65-F5344CB8AC3E}">
-        <p14:creationId xmlns:p14="http://schemas.microsoft.com/office/powerpoint/2010/main" val="3612876208"/>
+        <p14:creationId xmlns:p14="http://schemas.microsoft.com/office/powerpoint/2010/main" xmlns="" val="3612876208"/>
       </p:ext>
     </p:extLst>
   </p:cSld>
@@ -610,7 +613,8 @@
           <a:p>
             <a:fld id="{ED99CC25-1A4F-49B7-AAE7-A62458AB75E5}" type="datetimeFigureOut">
               <a:rPr lang="ru-RU" smtClean="0"/>
-              <a:t>02.02.2025</a:t>
+              <a:pPr/>
+              <a:t>10.02.2026</a:t>
             </a:fld>
             <a:endParaRPr lang="ru-RU"/>
           </a:p>
@@ -652,6 +656,7 @@
           <a:p>
             <a:fld id="{91F097D2-10E5-46D6-918B-E12795BEB8F8}" type="slidenum">
               <a:rPr lang="ru-RU" smtClean="0"/>
+              <a:pPr/>
               <a:t>‹#›</a:t>
             </a:fld>
             <a:endParaRPr lang="ru-RU"/>
@@ -661,7 +666,7 @@
     </p:spTree>
     <p:extLst>
       <p:ext uri="{BB962C8B-B14F-4D97-AF65-F5344CB8AC3E}">
-        <p14:creationId xmlns:p14="http://schemas.microsoft.com/office/powerpoint/2010/main" val="736578391"/>
+        <p14:creationId xmlns:p14="http://schemas.microsoft.com/office/powerpoint/2010/main" xmlns="" val="736578391"/>
       </p:ext>
     </p:extLst>
   </p:cSld>
@@ -780,7 +785,8 @@
           <a:p>
             <a:fld id="{ED99CC25-1A4F-49B7-AAE7-A62458AB75E5}" type="datetimeFigureOut">
               <a:rPr lang="ru-RU" smtClean="0"/>
-              <a:t>02.02.2025</a:t>
+              <a:pPr/>
+              <a:t>10.02.2026</a:t>
             </a:fld>
             <a:endParaRPr lang="ru-RU"/>
           </a:p>
@@ -822,6 +828,7 @@
           <a:p>
             <a:fld id="{91F097D2-10E5-46D6-918B-E12795BEB8F8}" type="slidenum">
               <a:rPr lang="ru-RU" smtClean="0"/>
+              <a:pPr/>
               <a:t>‹#›</a:t>
             </a:fld>
             <a:endParaRPr lang="ru-RU"/>
@@ -831,7 +838,7 @@
     </p:spTree>
     <p:extLst>
       <p:ext uri="{BB962C8B-B14F-4D97-AF65-F5344CB8AC3E}">
-        <p14:creationId xmlns:p14="http://schemas.microsoft.com/office/powerpoint/2010/main" val="937799955"/>
+        <p14:creationId xmlns:p14="http://schemas.microsoft.com/office/powerpoint/2010/main" xmlns="" val="937799955"/>
       </p:ext>
     </p:extLst>
   </p:cSld>
@@ -1026,7 +1033,8 @@
           <a:p>
             <a:fld id="{ED99CC25-1A4F-49B7-AAE7-A62458AB75E5}" type="datetimeFigureOut">
               <a:rPr lang="ru-RU" smtClean="0"/>
-              <a:t>02.02.2025</a:t>
+              <a:pPr/>
+              <a:t>10.02.2026</a:t>
             </a:fld>
             <a:endParaRPr lang="ru-RU"/>
           </a:p>
@@ -1068,6 +1076,7 @@
           <a:p>
             <a:fld id="{91F097D2-10E5-46D6-918B-E12795BEB8F8}" type="slidenum">
               <a:rPr lang="ru-RU" smtClean="0"/>
+              <a:pPr/>
               <a:t>‹#›</a:t>
             </a:fld>
             <a:endParaRPr lang="ru-RU"/>
@@ -1077,7 +1086,7 @@
     </p:spTree>
     <p:extLst>
       <p:ext uri="{BB962C8B-B14F-4D97-AF65-F5344CB8AC3E}">
-        <p14:creationId xmlns:p14="http://schemas.microsoft.com/office/powerpoint/2010/main" val="3290934955"/>
+        <p14:creationId xmlns:p14="http://schemas.microsoft.com/office/powerpoint/2010/main" xmlns="" val="3290934955"/>
       </p:ext>
     </p:extLst>
   </p:cSld>
@@ -1258,7 +1267,8 @@
           <a:p>
             <a:fld id="{ED99CC25-1A4F-49B7-AAE7-A62458AB75E5}" type="datetimeFigureOut">
               <a:rPr lang="ru-RU" smtClean="0"/>
-              <a:t>02.02.2025</a:t>
+              <a:pPr/>
+              <a:t>10.02.2026</a:t>
             </a:fld>
             <a:endParaRPr lang="ru-RU"/>
           </a:p>
@@ -1300,6 +1310,7 @@
           <a:p>
             <a:fld id="{91F097D2-10E5-46D6-918B-E12795BEB8F8}" type="slidenum">
               <a:rPr lang="ru-RU" smtClean="0"/>
+              <a:pPr/>
               <a:t>‹#›</a:t>
             </a:fld>
             <a:endParaRPr lang="ru-RU"/>
@@ -1309,7 +1320,7 @@
     </p:spTree>
     <p:extLst>
       <p:ext uri="{BB962C8B-B14F-4D97-AF65-F5344CB8AC3E}">
-        <p14:creationId xmlns:p14="http://schemas.microsoft.com/office/powerpoint/2010/main" val="2678426153"/>
+        <p14:creationId xmlns:p14="http://schemas.microsoft.com/office/powerpoint/2010/main" xmlns="" val="2678426153"/>
       </p:ext>
     </p:extLst>
   </p:cSld>
@@ -1625,7 +1636,8 @@
           <a:p>
             <a:fld id="{ED99CC25-1A4F-49B7-AAE7-A62458AB75E5}" type="datetimeFigureOut">
               <a:rPr lang="ru-RU" smtClean="0"/>
-              <a:t>02.02.2025</a:t>
+              <a:pPr/>
+              <a:t>10.02.2026</a:t>
             </a:fld>
             <a:endParaRPr lang="ru-RU"/>
           </a:p>
@@ -1667,6 +1679,7 @@
           <a:p>
             <a:fld id="{91F097D2-10E5-46D6-918B-E12795BEB8F8}" type="slidenum">
               <a:rPr lang="ru-RU" smtClean="0"/>
+              <a:pPr/>
               <a:t>‹#›</a:t>
             </a:fld>
             <a:endParaRPr lang="ru-RU"/>
@@ -1676,7 +1689,7 @@
     </p:spTree>
     <p:extLst>
       <p:ext uri="{BB962C8B-B14F-4D97-AF65-F5344CB8AC3E}">
-        <p14:creationId xmlns:p14="http://schemas.microsoft.com/office/powerpoint/2010/main" val="4275863859"/>
+        <p14:creationId xmlns:p14="http://schemas.microsoft.com/office/powerpoint/2010/main" xmlns="" val="4275863859"/>
       </p:ext>
     </p:extLst>
   </p:cSld>
@@ -1743,7 +1756,8 @@
           <a:p>
             <a:fld id="{ED99CC25-1A4F-49B7-AAE7-A62458AB75E5}" type="datetimeFigureOut">
               <a:rPr lang="ru-RU" smtClean="0"/>
-              <a:t>02.02.2025</a:t>
+              <a:pPr/>
+              <a:t>10.02.2026</a:t>
             </a:fld>
             <a:endParaRPr lang="ru-RU"/>
           </a:p>
@@ -1785,6 +1799,7 @@
           <a:p>
             <a:fld id="{91F097D2-10E5-46D6-918B-E12795BEB8F8}" type="slidenum">
               <a:rPr lang="ru-RU" smtClean="0"/>
+              <a:pPr/>
               <a:t>‹#›</a:t>
             </a:fld>
             <a:endParaRPr lang="ru-RU"/>
@@ -1794,7 +1809,7 @@
     </p:spTree>
     <p:extLst>
       <p:ext uri="{BB962C8B-B14F-4D97-AF65-F5344CB8AC3E}">
-        <p14:creationId xmlns:p14="http://schemas.microsoft.com/office/powerpoint/2010/main" val="546024196"/>
+        <p14:creationId xmlns:p14="http://schemas.microsoft.com/office/powerpoint/2010/main" xmlns="" val="546024196"/>
       </p:ext>
     </p:extLst>
   </p:cSld>
@@ -1838,7 +1853,8 @@
           <a:p>
             <a:fld id="{ED99CC25-1A4F-49B7-AAE7-A62458AB75E5}" type="datetimeFigureOut">
               <a:rPr lang="ru-RU" smtClean="0"/>
-              <a:t>02.02.2025</a:t>
+              <a:pPr/>
+              <a:t>10.02.2026</a:t>
             </a:fld>
             <a:endParaRPr lang="ru-RU"/>
           </a:p>
@@ -1880,6 +1896,7 @@
           <a:p>
             <a:fld id="{91F097D2-10E5-46D6-918B-E12795BEB8F8}" type="slidenum">
               <a:rPr lang="ru-RU" smtClean="0"/>
+              <a:pPr/>
               <a:t>‹#›</a:t>
             </a:fld>
             <a:endParaRPr lang="ru-RU"/>
@@ -1889,7 +1906,7 @@
     </p:spTree>
     <p:extLst>
       <p:ext uri="{BB962C8B-B14F-4D97-AF65-F5344CB8AC3E}">
-        <p14:creationId xmlns:p14="http://schemas.microsoft.com/office/powerpoint/2010/main" val="4106075374"/>
+        <p14:creationId xmlns:p14="http://schemas.microsoft.com/office/powerpoint/2010/main" xmlns="" val="4106075374"/>
       </p:ext>
     </p:extLst>
   </p:cSld>
@@ -2115,7 +2132,8 @@
           <a:p>
             <a:fld id="{ED99CC25-1A4F-49B7-AAE7-A62458AB75E5}" type="datetimeFigureOut">
               <a:rPr lang="ru-RU" smtClean="0"/>
-              <a:t>02.02.2025</a:t>
+              <a:pPr/>
+              <a:t>10.02.2026</a:t>
             </a:fld>
             <a:endParaRPr lang="ru-RU"/>
           </a:p>
@@ -2157,6 +2175,7 @@
           <a:p>
             <a:fld id="{91F097D2-10E5-46D6-918B-E12795BEB8F8}" type="slidenum">
               <a:rPr lang="ru-RU" smtClean="0"/>
+              <a:pPr/>
               <a:t>‹#›</a:t>
             </a:fld>
             <a:endParaRPr lang="ru-RU"/>
@@ -2166,7 +2185,7 @@
     </p:spTree>
     <p:extLst>
       <p:ext uri="{BB962C8B-B14F-4D97-AF65-F5344CB8AC3E}">
-        <p14:creationId xmlns:p14="http://schemas.microsoft.com/office/powerpoint/2010/main" val="1941093992"/>
+        <p14:creationId xmlns:p14="http://schemas.microsoft.com/office/powerpoint/2010/main" xmlns="" val="1941093992"/>
       </p:ext>
     </p:extLst>
   </p:cSld>
@@ -2368,7 +2387,8 @@
           <a:p>
             <a:fld id="{ED99CC25-1A4F-49B7-AAE7-A62458AB75E5}" type="datetimeFigureOut">
               <a:rPr lang="ru-RU" smtClean="0"/>
-              <a:t>02.02.2025</a:t>
+              <a:pPr/>
+              <a:t>10.02.2026</a:t>
             </a:fld>
             <a:endParaRPr lang="ru-RU"/>
           </a:p>
@@ -2410,6 +2430,7 @@
           <a:p>
             <a:fld id="{91F097D2-10E5-46D6-918B-E12795BEB8F8}" type="slidenum">
               <a:rPr lang="ru-RU" smtClean="0"/>
+              <a:pPr/>
               <a:t>‹#›</a:t>
             </a:fld>
             <a:endParaRPr lang="ru-RU"/>
@@ -2419,7 +2440,7 @@
     </p:spTree>
     <p:extLst>
       <p:ext uri="{BB962C8B-B14F-4D97-AF65-F5344CB8AC3E}">
-        <p14:creationId xmlns:p14="http://schemas.microsoft.com/office/powerpoint/2010/main" val="1798645828"/>
+        <p14:creationId xmlns:p14="http://schemas.microsoft.com/office/powerpoint/2010/main" xmlns="" val="1798645828"/>
       </p:ext>
     </p:extLst>
   </p:cSld>
@@ -2581,7 +2602,8 @@
           <a:p>
             <a:fld id="{ED99CC25-1A4F-49B7-AAE7-A62458AB75E5}" type="datetimeFigureOut">
               <a:rPr lang="ru-RU" smtClean="0"/>
-              <a:t>02.02.2025</a:t>
+              <a:pPr/>
+              <a:t>10.02.2026</a:t>
             </a:fld>
             <a:endParaRPr lang="ru-RU"/>
           </a:p>
@@ -2659,6 +2681,7 @@
           <a:p>
             <a:fld id="{91F097D2-10E5-46D6-918B-E12795BEB8F8}" type="slidenum">
               <a:rPr lang="ru-RU" smtClean="0"/>
+              <a:pPr/>
               <a:t>‹#›</a:t>
             </a:fld>
             <a:endParaRPr lang="ru-RU"/>
@@ -2668,7 +2691,7 @@
     </p:spTree>
     <p:extLst>
       <p:ext uri="{BB962C8B-B14F-4D97-AF65-F5344CB8AC3E}">
-        <p14:creationId xmlns:p14="http://schemas.microsoft.com/office/powerpoint/2010/main" val="2931639505"/>
+        <p14:creationId xmlns:p14="http://schemas.microsoft.com/office/powerpoint/2010/main" xmlns="" val="2931639505"/>
       </p:ext>
     </p:extLst>
   </p:cSld>
@@ -3053,7 +3076,21 @@
                 <a:latin typeface="Arial" panose="020B0604020202020204" pitchFamily="34" charset="0"/>
                 <a:cs typeface="Arial" panose="020B0604020202020204" pitchFamily="34" charset="0"/>
               </a:rPr>
-              <a:t>3 «Д» класс</a:t>
+              <a:t>4</a:t>
+            </a:r>
+            <a:r>
+              <a:rPr lang="ru-RU" sz="3600" dirty="0" smtClean="0">
+                <a:latin typeface="Arial" panose="020B0604020202020204" pitchFamily="34" charset="0"/>
+                <a:cs typeface="Arial" panose="020B0604020202020204" pitchFamily="34" charset="0"/>
+              </a:rPr>
+              <a:t> </a:t>
+            </a:r>
+            <a:r>
+              <a:rPr lang="ru-RU" sz="3600" dirty="0" smtClean="0">
+                <a:latin typeface="Arial" panose="020B0604020202020204" pitchFamily="34" charset="0"/>
+                <a:cs typeface="Arial" panose="020B0604020202020204" pitchFamily="34" charset="0"/>
+              </a:rPr>
+              <a:t>«Д» класс</a:t>
             </a:r>
           </a:p>
           <a:p>
@@ -3097,7 +3134,7 @@
     </p:spTree>
     <p:extLst>
       <p:ext uri="{BB962C8B-B14F-4D97-AF65-F5344CB8AC3E}">
-        <p14:creationId xmlns:p14="http://schemas.microsoft.com/office/powerpoint/2010/main" val="1042399546"/>
+        <p14:creationId xmlns:p14="http://schemas.microsoft.com/office/powerpoint/2010/main" xmlns="" val="1042399546"/>
       </p:ext>
     </p:extLst>
   </p:cSld>
@@ -3158,7 +3195,7 @@
     </p:spTree>
     <p:extLst>
       <p:ext uri="{BB962C8B-B14F-4D97-AF65-F5344CB8AC3E}">
-        <p14:creationId xmlns:p14="http://schemas.microsoft.com/office/powerpoint/2010/main" val="3974253610"/>
+        <p14:creationId xmlns:p14="http://schemas.microsoft.com/office/powerpoint/2010/main" xmlns="" val="3974253610"/>
       </p:ext>
     </p:extLst>
   </p:cSld>
@@ -3219,7 +3256,7 @@
     </p:spTree>
     <p:extLst>
       <p:ext uri="{BB962C8B-B14F-4D97-AF65-F5344CB8AC3E}">
-        <p14:creationId xmlns:p14="http://schemas.microsoft.com/office/powerpoint/2010/main" val="3149130985"/>
+        <p14:creationId xmlns:p14="http://schemas.microsoft.com/office/powerpoint/2010/main" xmlns="" val="3149130985"/>
       </p:ext>
     </p:extLst>
   </p:cSld>
@@ -3280,7 +3317,7 @@
     </p:spTree>
     <p:extLst>
       <p:ext uri="{BB962C8B-B14F-4D97-AF65-F5344CB8AC3E}">
-        <p14:creationId xmlns:p14="http://schemas.microsoft.com/office/powerpoint/2010/main" val="1009196314"/>
+        <p14:creationId xmlns:p14="http://schemas.microsoft.com/office/powerpoint/2010/main" xmlns="" val="1009196314"/>
       </p:ext>
     </p:extLst>
   </p:cSld>
@@ -3363,7 +3400,7 @@
           <a:blip r:embed="rId2">
             <a:extLst>
               <a:ext uri="{28A0092B-C50C-407E-A947-70E740481C1C}">
-                <a14:useLocalDpi xmlns:a14="http://schemas.microsoft.com/office/drawing/2010/main" val="0"/>
+                <a14:useLocalDpi xmlns:a14="http://schemas.microsoft.com/office/drawing/2010/main" xmlns="" val="0"/>
               </a:ext>
             </a:extLst>
           </a:blip>
@@ -3399,7 +3436,7 @@
           <a:blip r:embed="rId3">
             <a:extLst>
               <a:ext uri="{28A0092B-C50C-407E-A947-70E740481C1C}">
-                <a14:useLocalDpi xmlns:a14="http://schemas.microsoft.com/office/drawing/2010/main" val="0"/>
+                <a14:useLocalDpi xmlns:a14="http://schemas.microsoft.com/office/drawing/2010/main" xmlns="" val="0"/>
               </a:ext>
             </a:extLst>
           </a:blip>
@@ -3425,7 +3462,7 @@
     </p:spTree>
     <p:extLst>
       <p:ext uri="{BB962C8B-B14F-4D97-AF65-F5344CB8AC3E}">
-        <p14:creationId xmlns:p14="http://schemas.microsoft.com/office/powerpoint/2010/main" val="3413917315"/>
+        <p14:creationId xmlns:p14="http://schemas.microsoft.com/office/powerpoint/2010/main" xmlns="" val="3413917315"/>
       </p:ext>
     </p:extLst>
   </p:cSld>
@@ -3506,7 +3543,7 @@
           <a:blip r:embed="rId2">
             <a:extLst>
               <a:ext uri="{28A0092B-C50C-407E-A947-70E740481C1C}">
-                <a14:useLocalDpi xmlns:a14="http://schemas.microsoft.com/office/drawing/2010/main" val="0"/>
+                <a14:useLocalDpi xmlns:a14="http://schemas.microsoft.com/office/drawing/2010/main" xmlns="" val="0"/>
               </a:ext>
             </a:extLst>
           </a:blip>
@@ -3542,7 +3579,7 @@
           <a:blip r:embed="rId3">
             <a:extLst>
               <a:ext uri="{BEBA8EAE-BF5A-486C-A8C5-ECC9F3942E4B}">
-                <a14:imgProps xmlns:a14="http://schemas.microsoft.com/office/drawing/2010/main">
+                <a14:imgProps xmlns:a14="http://schemas.microsoft.com/office/drawing/2010/main" xmlns="">
                   <a14:imgLayer r:embed="rId4">
                     <a14:imgEffect>
                       <a14:brightnessContrast bright="20000"/>
@@ -3551,7 +3588,7 @@
                 </a14:imgProps>
               </a:ext>
               <a:ext uri="{28A0092B-C50C-407E-A947-70E740481C1C}">
-                <a14:useLocalDpi xmlns:a14="http://schemas.microsoft.com/office/drawing/2010/main" val="0"/>
+                <a14:useLocalDpi xmlns:a14="http://schemas.microsoft.com/office/drawing/2010/main" xmlns="" val="0"/>
               </a:ext>
             </a:extLst>
           </a:blip>
@@ -3578,7 +3615,7 @@
     </p:spTree>
     <p:extLst>
       <p:ext uri="{BB962C8B-B14F-4D97-AF65-F5344CB8AC3E}">
-        <p14:creationId xmlns:p14="http://schemas.microsoft.com/office/powerpoint/2010/main" val="498367054"/>
+        <p14:creationId xmlns:p14="http://schemas.microsoft.com/office/powerpoint/2010/main" xmlns="" val="498367054"/>
       </p:ext>
     </p:extLst>
   </p:cSld>
@@ -3659,7 +3696,7 @@
           <a:blip r:embed="rId2">
             <a:extLst>
               <a:ext uri="{28A0092B-C50C-407E-A947-70E740481C1C}">
-                <a14:useLocalDpi xmlns:a14="http://schemas.microsoft.com/office/drawing/2010/main" val="0"/>
+                <a14:useLocalDpi xmlns:a14="http://schemas.microsoft.com/office/drawing/2010/main" xmlns="" val="0"/>
               </a:ext>
             </a:extLst>
           </a:blip>
@@ -3695,7 +3732,7 @@
           <a:blip r:embed="rId3" cstate="print">
             <a:extLst>
               <a:ext uri="{28A0092B-C50C-407E-A947-70E740481C1C}">
-                <a14:useLocalDpi xmlns:a14="http://schemas.microsoft.com/office/drawing/2010/main" val="0"/>
+                <a14:useLocalDpi xmlns:a14="http://schemas.microsoft.com/office/drawing/2010/main" xmlns="" val="0"/>
               </a:ext>
             </a:extLst>
           </a:blip>
@@ -3722,7 +3759,7 @@
     </p:spTree>
     <p:extLst>
       <p:ext uri="{BB962C8B-B14F-4D97-AF65-F5344CB8AC3E}">
-        <p14:creationId xmlns:p14="http://schemas.microsoft.com/office/powerpoint/2010/main" val="3659894377"/>
+        <p14:creationId xmlns:p14="http://schemas.microsoft.com/office/powerpoint/2010/main" xmlns="" val="3659894377"/>
       </p:ext>
     </p:extLst>
   </p:cSld>
@@ -3927,7 +3964,7 @@
           <a:blip r:embed="rId2" cstate="print">
             <a:extLst>
               <a:ext uri="{28A0092B-C50C-407E-A947-70E740481C1C}">
-                <a14:useLocalDpi xmlns:a14="http://schemas.microsoft.com/office/drawing/2010/main" val="0"/>
+                <a14:useLocalDpi xmlns:a14="http://schemas.microsoft.com/office/drawing/2010/main" xmlns="" val="0"/>
               </a:ext>
             </a:extLst>
           </a:blip>
@@ -3947,7 +3984,7 @@
           <a:noFill/>
           <a:extLst>
             <a:ext uri="{909E8E84-426E-40DD-AFC4-6F175D3DCCD1}">
-              <a14:hiddenFill xmlns:a14="http://schemas.microsoft.com/office/drawing/2010/main">
+              <a14:hiddenFill xmlns:a14="http://schemas.microsoft.com/office/drawing/2010/main" xmlns="">
                 <a:solidFill>
                   <a:srgbClr val="FFFFFF"/>
                 </a:solidFill>
@@ -3959,7 +3996,7 @@
     </p:spTree>
     <p:extLst>
       <p:ext uri="{BB962C8B-B14F-4D97-AF65-F5344CB8AC3E}">
-        <p14:creationId xmlns:p14="http://schemas.microsoft.com/office/powerpoint/2010/main" val="3488477048"/>
+        <p14:creationId xmlns:p14="http://schemas.microsoft.com/office/powerpoint/2010/main" xmlns="" val="3488477048"/>
       </p:ext>
     </p:extLst>
   </p:cSld>
@@ -4393,7 +4430,7 @@
           <a:blip r:embed="rId2" cstate="print">
             <a:extLst>
               <a:ext uri="{28A0092B-C50C-407E-A947-70E740481C1C}">
-                <a14:useLocalDpi xmlns:a14="http://schemas.microsoft.com/office/drawing/2010/main" val="0"/>
+                <a14:useLocalDpi xmlns:a14="http://schemas.microsoft.com/office/drawing/2010/main" xmlns="" val="0"/>
               </a:ext>
             </a:extLst>
           </a:blip>
@@ -4411,7 +4448,7 @@
           <a:noFill/>
           <a:extLst>
             <a:ext uri="{909E8E84-426E-40DD-AFC4-6F175D3DCCD1}">
-              <a14:hiddenFill xmlns:a14="http://schemas.microsoft.com/office/drawing/2010/main">
+              <a14:hiddenFill xmlns:a14="http://schemas.microsoft.com/office/drawing/2010/main" xmlns="">
                 <a:solidFill>
                   <a:srgbClr val="FFFFFF"/>
                 </a:solidFill>
@@ -4429,10 +4466,10 @@
           <p:nvPr/>
         </p:nvPicPr>
         <p:blipFill rotWithShape="1">
-          <a:blip r:embed="rId3">
+          <a:blip r:embed="rId3" cstate="print">
             <a:extLst>
               <a:ext uri="{BEBA8EAE-BF5A-486C-A8C5-ECC9F3942E4B}">
-                <a14:imgProps xmlns:a14="http://schemas.microsoft.com/office/drawing/2010/main">
+                <a14:imgProps xmlns:a14="http://schemas.microsoft.com/office/drawing/2010/main" xmlns="">
                   <a14:imgLayer r:embed="rId4">
                     <a14:imgEffect>
                       <a14:brightnessContrast bright="20000" contrast="-20000"/>
@@ -4458,7 +4495,7 @@
     </p:spTree>
     <p:extLst>
       <p:ext uri="{BB962C8B-B14F-4D97-AF65-F5344CB8AC3E}">
-        <p14:creationId xmlns:p14="http://schemas.microsoft.com/office/powerpoint/2010/main" val="2766322735"/>
+        <p14:creationId xmlns:p14="http://schemas.microsoft.com/office/powerpoint/2010/main" xmlns="" val="2766322735"/>
       </p:ext>
     </p:extLst>
   </p:cSld>
@@ -4472,64 +4509,6 @@
       </p:par>
     </p:tnLst>
   </p:timing>
-</p:sld>
-</file>
-
-<file path=ppt/slides/slide18.xml><?xml version="1.0" encoding="utf-8"?>
-<p:sld xmlns:a="http://schemas.openxmlformats.org/drawingml/2006/main" xmlns:r="http://schemas.openxmlformats.org/officeDocument/2006/relationships" xmlns:p="http://schemas.openxmlformats.org/presentationml/2006/main">
-  <p:cSld>
-    <p:spTree>
-      <p:nvGrpSpPr>
-        <p:cNvPr id="1" name=""/>
-        <p:cNvGrpSpPr/>
-        <p:nvPr/>
-      </p:nvGrpSpPr>
-      <p:grpSpPr>
-        <a:xfrm>
-          <a:off x="0" y="0"/>
-          <a:ext cx="0" cy="0"/>
-          <a:chOff x="0" y="0"/>
-          <a:chExt cx="0" cy="0"/>
-        </a:xfrm>
-      </p:grpSpPr>
-      <p:sp>
-        <p:nvSpPr>
-          <p:cNvPr id="2" name="Заголовок 1"/>
-          <p:cNvSpPr>
-            <a:spLocks noGrp="1"/>
-          </p:cNvSpPr>
-          <p:nvPr>
-            <p:ph type="title"/>
-          </p:nvPr>
-        </p:nvSpPr>
-        <p:spPr>
-          <a:xfrm>
-            <a:off x="838200" y="365125"/>
-            <a:ext cx="10369731" cy="5931172"/>
-          </a:xfrm>
-        </p:spPr>
-        <p:txBody>
-          <a:bodyPr>
-            <a:normAutofit/>
-          </a:bodyPr>
-          <a:lstStyle/>
-          <a:p>
-            <a:endParaRPr lang="ru-RU" sz="9600" dirty="0">
-              <a:latin typeface="Arial Black" panose="020B0A04020102020204" pitchFamily="34" charset="0"/>
-            </a:endParaRPr>
-          </a:p>
-        </p:txBody>
-      </p:sp>
-    </p:spTree>
-    <p:extLst>
-      <p:ext uri="{BB962C8B-B14F-4D97-AF65-F5344CB8AC3E}">
-        <p14:creationId xmlns:p14="http://schemas.microsoft.com/office/powerpoint/2010/main" val="2519038376"/>
-      </p:ext>
-    </p:extLst>
-  </p:cSld>
-  <p:clrMapOvr>
-    <a:masterClrMapping/>
-  </p:clrMapOvr>
 </p:sld>
 </file>
 
@@ -4631,7 +4610,7 @@
     </p:spTree>
     <p:extLst>
       <p:ext uri="{BB962C8B-B14F-4D97-AF65-F5344CB8AC3E}">
-        <p14:creationId xmlns:p14="http://schemas.microsoft.com/office/powerpoint/2010/main" val="2037170524"/>
+        <p14:creationId xmlns:p14="http://schemas.microsoft.com/office/powerpoint/2010/main" xmlns="" val="2037170524"/>
       </p:ext>
     </p:extLst>
   </p:cSld>
@@ -4753,7 +4732,7 @@
     </p:spTree>
     <p:extLst>
       <p:ext uri="{BB962C8B-B14F-4D97-AF65-F5344CB8AC3E}">
-        <p14:creationId xmlns:p14="http://schemas.microsoft.com/office/powerpoint/2010/main" val="3409291093"/>
+        <p14:creationId xmlns:p14="http://schemas.microsoft.com/office/powerpoint/2010/main" xmlns="" val="3409291093"/>
       </p:ext>
     </p:extLst>
   </p:cSld>
@@ -4900,7 +4879,7 @@
     </p:spTree>
     <p:extLst>
       <p:ext uri="{BB962C8B-B14F-4D97-AF65-F5344CB8AC3E}">
-        <p14:creationId xmlns:p14="http://schemas.microsoft.com/office/powerpoint/2010/main" val="2576196411"/>
+        <p14:creationId xmlns:p14="http://schemas.microsoft.com/office/powerpoint/2010/main" xmlns="" val="2576196411"/>
       </p:ext>
     </p:extLst>
   </p:cSld>
@@ -5046,7 +5025,7 @@
     </p:spTree>
     <p:extLst>
       <p:ext uri="{BB962C8B-B14F-4D97-AF65-F5344CB8AC3E}">
-        <p14:creationId xmlns:p14="http://schemas.microsoft.com/office/powerpoint/2010/main" val="945974101"/>
+        <p14:creationId xmlns:p14="http://schemas.microsoft.com/office/powerpoint/2010/main" xmlns="" val="945974101"/>
       </p:ext>
     </p:extLst>
   </p:cSld>
@@ -5133,7 +5112,7 @@
           <a:blip r:embed="rId2">
             <a:extLst>
               <a:ext uri="{BEBA8EAE-BF5A-486C-A8C5-ECC9F3942E4B}">
-                <a14:imgProps xmlns:a14="http://schemas.microsoft.com/office/drawing/2010/main">
+                <a14:imgProps xmlns:a14="http://schemas.microsoft.com/office/drawing/2010/main" xmlns="">
                   <a14:imgLayer r:embed="rId3">
                     <a14:imgEffect>
                       <a14:brightnessContrast bright="20000" contrast="-40000"/>
@@ -5142,7 +5121,7 @@
                 </a14:imgProps>
               </a:ext>
               <a:ext uri="{28A0092B-C50C-407E-A947-70E740481C1C}">
-                <a14:useLocalDpi xmlns:a14="http://schemas.microsoft.com/office/drawing/2010/main" val="0"/>
+                <a14:useLocalDpi xmlns:a14="http://schemas.microsoft.com/office/drawing/2010/main" xmlns="" val="0"/>
               </a:ext>
             </a:extLst>
           </a:blip>
@@ -5162,7 +5141,7 @@
           <a:noFill/>
           <a:extLst>
             <a:ext uri="{909E8E84-426E-40DD-AFC4-6F175D3DCCD1}">
-              <a14:hiddenFill xmlns:a14="http://schemas.microsoft.com/office/drawing/2010/main">
+              <a14:hiddenFill xmlns:a14="http://schemas.microsoft.com/office/drawing/2010/main" xmlns="">
                 <a:solidFill>
                   <a:srgbClr val="FFFFFF"/>
                 </a:solidFill>
@@ -6315,7 +6294,7 @@
     </p:spTree>
     <p:extLst>
       <p:ext uri="{BB962C8B-B14F-4D97-AF65-F5344CB8AC3E}">
-        <p14:creationId xmlns:p14="http://schemas.microsoft.com/office/powerpoint/2010/main" val="753678492"/>
+        <p14:creationId xmlns:p14="http://schemas.microsoft.com/office/powerpoint/2010/main" xmlns="" val="753678492"/>
       </p:ext>
     </p:extLst>
   </p:cSld>
@@ -6405,7 +6384,7 @@
             <p:ph idx="1"/>
             <p:extLst>
               <p:ext uri="{D42A27DB-BD31-4B8C-83A1-F6EECF244321}">
-                <p14:modId xmlns:p14="http://schemas.microsoft.com/office/powerpoint/2010/main" val="946758560"/>
+                <p14:modId xmlns:p14="http://schemas.microsoft.com/office/powerpoint/2010/main" xmlns="" val="946758560"/>
               </p:ext>
             </p:extLst>
           </p:nvPr>
@@ -6424,14 +6403,14 @@
                 <a:gridCol w="4195119">
                   <a:extLst>
                     <a:ext uri="{9D8B030D-6E8A-4147-A177-3AD203B41FA5}">
-                      <a16:colId xmlns:a16="http://schemas.microsoft.com/office/drawing/2014/main" val="1176830032"/>
+                      <a16:colId xmlns:a16="http://schemas.microsoft.com/office/drawing/2014/main" xmlns="" val="1176830032"/>
                     </a:ext>
                   </a:extLst>
                 </a:gridCol>
                 <a:gridCol w="7554195">
                   <a:extLst>
                     <a:ext uri="{9D8B030D-6E8A-4147-A177-3AD203B41FA5}">
-                      <a16:colId xmlns:a16="http://schemas.microsoft.com/office/drawing/2014/main" val="4248977999"/>
+                      <a16:colId xmlns:a16="http://schemas.microsoft.com/office/drawing/2014/main" xmlns="" val="4248977999"/>
                     </a:ext>
                   </a:extLst>
                 </a:gridCol>
@@ -6517,7 +6496,7 @@
                 </a:tc>
                 <a:extLst>
                   <a:ext uri="{0D108BD9-81ED-4DB2-BD59-A6C34878D82A}">
-                    <a16:rowId xmlns:a16="http://schemas.microsoft.com/office/drawing/2014/main" val="3483043639"/>
+                    <a16:rowId xmlns:a16="http://schemas.microsoft.com/office/drawing/2014/main" xmlns="" val="3483043639"/>
                   </a:ext>
                 </a:extLst>
               </a:tr>
@@ -6586,7 +6565,7 @@
                 </a:tc>
                 <a:extLst>
                   <a:ext uri="{0D108BD9-81ED-4DB2-BD59-A6C34878D82A}">
-                    <a16:rowId xmlns:a16="http://schemas.microsoft.com/office/drawing/2014/main" val="534974373"/>
+                    <a16:rowId xmlns:a16="http://schemas.microsoft.com/office/drawing/2014/main" xmlns="" val="534974373"/>
                   </a:ext>
                 </a:extLst>
               </a:tr>
@@ -6597,7 +6576,7 @@
     </p:spTree>
     <p:extLst>
       <p:ext uri="{BB962C8B-B14F-4D97-AF65-F5344CB8AC3E}">
-        <p14:creationId xmlns:p14="http://schemas.microsoft.com/office/powerpoint/2010/main" val="4250636315"/>
+        <p14:creationId xmlns:p14="http://schemas.microsoft.com/office/powerpoint/2010/main" xmlns="" val="4250636315"/>
       </p:ext>
     </p:extLst>
   </p:cSld>
@@ -6687,7 +6666,7 @@
             <p:ph idx="1"/>
             <p:extLst>
               <p:ext uri="{D42A27DB-BD31-4B8C-83A1-F6EECF244321}">
-                <p14:modId xmlns:p14="http://schemas.microsoft.com/office/powerpoint/2010/main" val="2470090776"/>
+                <p14:modId xmlns:p14="http://schemas.microsoft.com/office/powerpoint/2010/main" xmlns="" val="2470090776"/>
               </p:ext>
             </p:extLst>
           </p:nvPr>
@@ -6706,14 +6685,14 @@
                 <a:gridCol w="4215849">
                   <a:extLst>
                     <a:ext uri="{9D8B030D-6E8A-4147-A177-3AD203B41FA5}">
-                      <a16:colId xmlns:a16="http://schemas.microsoft.com/office/drawing/2014/main" val="1176830032"/>
+                      <a16:colId xmlns:a16="http://schemas.microsoft.com/office/drawing/2014/main" xmlns="" val="1176830032"/>
                     </a:ext>
                   </a:extLst>
                 </a:gridCol>
                 <a:gridCol w="7591523">
                   <a:extLst>
                     <a:ext uri="{9D8B030D-6E8A-4147-A177-3AD203B41FA5}">
-                      <a16:colId xmlns:a16="http://schemas.microsoft.com/office/drawing/2014/main" val="4248977999"/>
+                      <a16:colId xmlns:a16="http://schemas.microsoft.com/office/drawing/2014/main" xmlns="" val="4248977999"/>
                     </a:ext>
                   </a:extLst>
                 </a:gridCol>
@@ -6783,7 +6762,7 @@
                 </a:tc>
                 <a:extLst>
                   <a:ext uri="{0D108BD9-81ED-4DB2-BD59-A6C34878D82A}">
-                    <a16:rowId xmlns:a16="http://schemas.microsoft.com/office/drawing/2014/main" val="2099716857"/>
+                    <a16:rowId xmlns:a16="http://schemas.microsoft.com/office/drawing/2014/main" xmlns="" val="2099716857"/>
                   </a:ext>
                 </a:extLst>
               </a:tr>
@@ -6852,7 +6831,7 @@
                 </a:tc>
                 <a:extLst>
                   <a:ext uri="{0D108BD9-81ED-4DB2-BD59-A6C34878D82A}">
-                    <a16:rowId xmlns:a16="http://schemas.microsoft.com/office/drawing/2014/main" val="2790090756"/>
+                    <a16:rowId xmlns:a16="http://schemas.microsoft.com/office/drawing/2014/main" xmlns="" val="2790090756"/>
                   </a:ext>
                 </a:extLst>
               </a:tr>
@@ -6863,7 +6842,7 @@
     </p:spTree>
     <p:extLst>
       <p:ext uri="{BB962C8B-B14F-4D97-AF65-F5344CB8AC3E}">
-        <p14:creationId xmlns:p14="http://schemas.microsoft.com/office/powerpoint/2010/main" val="1137999525"/>
+        <p14:creationId xmlns:p14="http://schemas.microsoft.com/office/powerpoint/2010/main" xmlns="" val="1137999525"/>
       </p:ext>
     </p:extLst>
   </p:cSld>
@@ -6924,7 +6903,7 @@
     </p:spTree>
     <p:extLst>
       <p:ext uri="{BB962C8B-B14F-4D97-AF65-F5344CB8AC3E}">
-        <p14:creationId xmlns:p14="http://schemas.microsoft.com/office/powerpoint/2010/main" val="603677681"/>
+        <p14:creationId xmlns:p14="http://schemas.microsoft.com/office/powerpoint/2010/main" xmlns="" val="603677681"/>
       </p:ext>
     </p:extLst>
   </p:cSld>
@@ -6984,7 +6963,7 @@
     </a:clrScheme>
     <a:fontScheme name="Стандартная">
       <a:majorFont>
-        <a:latin typeface="Calibri Light" panose="020F0302020204030204"/>
+        <a:latin typeface="Calibri Light"/>
         <a:ea typeface=""/>
         <a:cs typeface=""/>
         <a:font script="Jpan" typeface="游ゴシック Light"/>
@@ -7019,7 +6998,7 @@
         <a:font script="Geor" typeface="Sylfaen"/>
       </a:majorFont>
       <a:minorFont>
-        <a:latin typeface="Calibri" panose="020F0502020204030204"/>
+        <a:latin typeface="Calibri"/>
         <a:ea typeface=""/>
         <a:cs typeface=""/>
         <a:font script="Jpan" typeface="游ゴシック"/>
@@ -7196,7 +7175,7 @@
   <a:extraClrSchemeLst/>
   <a:extLst>
     <a:ext uri="{05A4C25C-085E-4340-85A3-A5531E510DB2}">
-      <thm15:themeFamily xmlns:thm15="http://schemas.microsoft.com/office/thememl/2012/main" name="Office Theme" id="{62F939B6-93AF-4DB8-9C6B-D6C7DFDC589F}" vid="{4A3C46E8-61CC-4603-A589-7422A47A8E4A}"/>
+      <thm15:themeFamily xmlns:thm15="http://schemas.microsoft.com/office/thememl/2012/main" xmlns="" name="Office Theme" id="{62F939B6-93AF-4DB8-9C6B-D6C7DFDC589F}" vid="{4A3C46E8-61CC-4603-A589-7422A47A8E4A}"/>
     </a:ext>
   </a:extLst>
 </a:theme>
